--- a/ppt 16-9/0503.中国人要起来.pptx
+++ b/ppt 16-9/0503.中国人要起来.pptx
@@ -129,7 +129,7 @@
           <p:cNvPr id="2" name="标题 1">
             <a:extLst>
               <a:ext uri="{FF2B5EF4-FFF2-40B4-BE49-F238E27FC236}">
-                <a16:creationId xmlns:a16="http://schemas.microsoft.com/office/drawing/2014/main" id="{780D8FD2-808F-D829-928B-E8AC12E78CBA}"/>
+                <a16:creationId xmlns:a16="http://schemas.microsoft.com/office/drawing/2014/main" id="{AF94E93D-9236-A634-DB50-9B16D10BA4FF}"/>
               </a:ext>
             </a:extLst>
           </p:cNvPr>
@@ -166,7 +166,7 @@
           <p:cNvPr id="3" name="副标题 2">
             <a:extLst>
               <a:ext uri="{FF2B5EF4-FFF2-40B4-BE49-F238E27FC236}">
-                <a16:creationId xmlns:a16="http://schemas.microsoft.com/office/drawing/2014/main" id="{BBE3B990-5427-50BF-98A5-01FEA2D74449}"/>
+                <a16:creationId xmlns:a16="http://schemas.microsoft.com/office/drawing/2014/main" id="{7C32791B-5E21-77A4-FB54-2A7531530C5E}"/>
               </a:ext>
             </a:extLst>
           </p:cNvPr>
@@ -236,7 +236,7 @@
           <p:cNvPr id="4" name="日期占位符 3">
             <a:extLst>
               <a:ext uri="{FF2B5EF4-FFF2-40B4-BE49-F238E27FC236}">
-                <a16:creationId xmlns:a16="http://schemas.microsoft.com/office/drawing/2014/main" id="{F35AA2CE-2AEF-ED2A-2718-F335643BE62D}"/>
+                <a16:creationId xmlns:a16="http://schemas.microsoft.com/office/drawing/2014/main" id="{0C780FE6-F242-1934-5BA7-79EA470FCF4A}"/>
               </a:ext>
             </a:extLst>
           </p:cNvPr>
@@ -252,7 +252,7 @@
           <a:bodyPr/>
           <a:lstStyle/>
           <a:p>
-            <a:fld id="{C17EE62C-861D-4DDC-BF85-B1D251C48846}" type="datetimeFigureOut">
+            <a:fld id="{20749EC6-BD4C-4A65-8F43-75E0B5FAE8AA}" type="datetimeFigureOut">
               <a:rPr lang="zh-CN" altLang="en-US" smtClean="0"/>
               <a:t>2024/3/10</a:t>
             </a:fld>
@@ -265,7 +265,7 @@
           <p:cNvPr id="5" name="页脚占位符 4">
             <a:extLst>
               <a:ext uri="{FF2B5EF4-FFF2-40B4-BE49-F238E27FC236}">
-                <a16:creationId xmlns:a16="http://schemas.microsoft.com/office/drawing/2014/main" id="{AA27D3BD-8608-3E9A-5716-78CAAE64E68B}"/>
+                <a16:creationId xmlns:a16="http://schemas.microsoft.com/office/drawing/2014/main" id="{3DB836FE-1D62-DF90-8B47-5AE698488007}"/>
               </a:ext>
             </a:extLst>
           </p:cNvPr>
@@ -290,7 +290,7 @@
           <p:cNvPr id="6" name="灯片编号占位符 5">
             <a:extLst>
               <a:ext uri="{FF2B5EF4-FFF2-40B4-BE49-F238E27FC236}">
-                <a16:creationId xmlns:a16="http://schemas.microsoft.com/office/drawing/2014/main" id="{34693D77-7B56-DD11-DE71-04F6840F8BE4}"/>
+                <a16:creationId xmlns:a16="http://schemas.microsoft.com/office/drawing/2014/main" id="{1F0663A8-C03A-265F-1F84-60DC322A813E}"/>
               </a:ext>
             </a:extLst>
           </p:cNvPr>
@@ -306,7 +306,7 @@
           <a:bodyPr/>
           <a:lstStyle/>
           <a:p>
-            <a:fld id="{EBDA2EF4-6C83-4978-9880-131C54ECD96A}" type="slidenum">
+            <a:fld id="{914E83C4-DD27-44FA-9746-C838072EFDAB}" type="slidenum">
               <a:rPr lang="zh-CN" altLang="en-US" smtClean="0"/>
               <a:t>‹#›</a:t>
             </a:fld>
@@ -317,7 +317,7 @@
     </p:spTree>
     <p:extLst>
       <p:ext uri="{BB962C8B-B14F-4D97-AF65-F5344CB8AC3E}">
-        <p14:creationId xmlns:p14="http://schemas.microsoft.com/office/powerpoint/2010/main" val="3573608512"/>
+        <p14:creationId xmlns:p14="http://schemas.microsoft.com/office/powerpoint/2010/main" val="1318175663"/>
       </p:ext>
     </p:extLst>
   </p:cSld>
@@ -349,7 +349,7 @@
           <p:cNvPr id="2" name="标题 1">
             <a:extLst>
               <a:ext uri="{FF2B5EF4-FFF2-40B4-BE49-F238E27FC236}">
-                <a16:creationId xmlns:a16="http://schemas.microsoft.com/office/drawing/2014/main" id="{10CCF2B8-0799-A2DE-FF1B-0C848BD8D47C}"/>
+                <a16:creationId xmlns:a16="http://schemas.microsoft.com/office/drawing/2014/main" id="{EAF5DE37-AEC0-EB30-25D9-6CBEDE414449}"/>
               </a:ext>
             </a:extLst>
           </p:cNvPr>
@@ -377,7 +377,7 @@
           <p:cNvPr id="3" name="竖排文字占位符 2">
             <a:extLst>
               <a:ext uri="{FF2B5EF4-FFF2-40B4-BE49-F238E27FC236}">
-                <a16:creationId xmlns:a16="http://schemas.microsoft.com/office/drawing/2014/main" id="{E5DD9902-CE51-4CFD-F654-E8ED531F30DE}"/>
+                <a16:creationId xmlns:a16="http://schemas.microsoft.com/office/drawing/2014/main" id="{1EF22B22-C893-7B1E-2CDD-0125C5B4D730}"/>
               </a:ext>
             </a:extLst>
           </p:cNvPr>
@@ -434,7 +434,7 @@
           <p:cNvPr id="4" name="日期占位符 3">
             <a:extLst>
               <a:ext uri="{FF2B5EF4-FFF2-40B4-BE49-F238E27FC236}">
-                <a16:creationId xmlns:a16="http://schemas.microsoft.com/office/drawing/2014/main" id="{E5FE2BE0-0F9E-57D0-C064-12C732A75283}"/>
+                <a16:creationId xmlns:a16="http://schemas.microsoft.com/office/drawing/2014/main" id="{24862C34-FD91-11AA-AE04-60721B764C17}"/>
               </a:ext>
             </a:extLst>
           </p:cNvPr>
@@ -450,7 +450,7 @@
           <a:bodyPr/>
           <a:lstStyle/>
           <a:p>
-            <a:fld id="{C17EE62C-861D-4DDC-BF85-B1D251C48846}" type="datetimeFigureOut">
+            <a:fld id="{20749EC6-BD4C-4A65-8F43-75E0B5FAE8AA}" type="datetimeFigureOut">
               <a:rPr lang="zh-CN" altLang="en-US" smtClean="0"/>
               <a:t>2024/3/10</a:t>
             </a:fld>
@@ -463,7 +463,7 @@
           <p:cNvPr id="5" name="页脚占位符 4">
             <a:extLst>
               <a:ext uri="{FF2B5EF4-FFF2-40B4-BE49-F238E27FC236}">
-                <a16:creationId xmlns:a16="http://schemas.microsoft.com/office/drawing/2014/main" id="{12D6F47C-48CC-A261-5899-2D2F17BC7F95}"/>
+                <a16:creationId xmlns:a16="http://schemas.microsoft.com/office/drawing/2014/main" id="{A0AFD69C-166E-2347-9322-2299043DFC61}"/>
               </a:ext>
             </a:extLst>
           </p:cNvPr>
@@ -488,7 +488,7 @@
           <p:cNvPr id="6" name="灯片编号占位符 5">
             <a:extLst>
               <a:ext uri="{FF2B5EF4-FFF2-40B4-BE49-F238E27FC236}">
-                <a16:creationId xmlns:a16="http://schemas.microsoft.com/office/drawing/2014/main" id="{4179E570-349B-E743-545A-22D5C8E032C8}"/>
+                <a16:creationId xmlns:a16="http://schemas.microsoft.com/office/drawing/2014/main" id="{48208720-852F-E20E-162E-436EF6E11FD0}"/>
               </a:ext>
             </a:extLst>
           </p:cNvPr>
@@ -504,7 +504,7 @@
           <a:bodyPr/>
           <a:lstStyle/>
           <a:p>
-            <a:fld id="{EBDA2EF4-6C83-4978-9880-131C54ECD96A}" type="slidenum">
+            <a:fld id="{914E83C4-DD27-44FA-9746-C838072EFDAB}" type="slidenum">
               <a:rPr lang="zh-CN" altLang="en-US" smtClean="0"/>
               <a:t>‹#›</a:t>
             </a:fld>
@@ -515,7 +515,7 @@
     </p:spTree>
     <p:extLst>
       <p:ext uri="{BB962C8B-B14F-4D97-AF65-F5344CB8AC3E}">
-        <p14:creationId xmlns:p14="http://schemas.microsoft.com/office/powerpoint/2010/main" val="3252889198"/>
+        <p14:creationId xmlns:p14="http://schemas.microsoft.com/office/powerpoint/2010/main" val="2422126762"/>
       </p:ext>
     </p:extLst>
   </p:cSld>
@@ -547,7 +547,7 @@
           <p:cNvPr id="2" name="竖排标题 1">
             <a:extLst>
               <a:ext uri="{FF2B5EF4-FFF2-40B4-BE49-F238E27FC236}">
-                <a16:creationId xmlns:a16="http://schemas.microsoft.com/office/drawing/2014/main" id="{845B4BC0-6A98-DD64-2C9B-26146238CE6F}"/>
+                <a16:creationId xmlns:a16="http://schemas.microsoft.com/office/drawing/2014/main" id="{8A9BCD0E-3AB2-FCDE-28E1-28C55E3C9BEF}"/>
               </a:ext>
             </a:extLst>
           </p:cNvPr>
@@ -580,7 +580,7 @@
           <p:cNvPr id="3" name="竖排文字占位符 2">
             <a:extLst>
               <a:ext uri="{FF2B5EF4-FFF2-40B4-BE49-F238E27FC236}">
-                <a16:creationId xmlns:a16="http://schemas.microsoft.com/office/drawing/2014/main" id="{4F88C5F6-D424-6204-981D-2A1CD8C1CECD}"/>
+                <a16:creationId xmlns:a16="http://schemas.microsoft.com/office/drawing/2014/main" id="{8F95D022-F5C6-098E-E85D-D51D6256316A}"/>
               </a:ext>
             </a:extLst>
           </p:cNvPr>
@@ -642,7 +642,7 @@
           <p:cNvPr id="4" name="日期占位符 3">
             <a:extLst>
               <a:ext uri="{FF2B5EF4-FFF2-40B4-BE49-F238E27FC236}">
-                <a16:creationId xmlns:a16="http://schemas.microsoft.com/office/drawing/2014/main" id="{F4182DD1-284B-6745-7DFF-8F988649E2B3}"/>
+                <a16:creationId xmlns:a16="http://schemas.microsoft.com/office/drawing/2014/main" id="{504F2238-BBB8-07A5-AB8D-877F9C7997F0}"/>
               </a:ext>
             </a:extLst>
           </p:cNvPr>
@@ -658,7 +658,7 @@
           <a:bodyPr/>
           <a:lstStyle/>
           <a:p>
-            <a:fld id="{C17EE62C-861D-4DDC-BF85-B1D251C48846}" type="datetimeFigureOut">
+            <a:fld id="{20749EC6-BD4C-4A65-8F43-75E0B5FAE8AA}" type="datetimeFigureOut">
               <a:rPr lang="zh-CN" altLang="en-US" smtClean="0"/>
               <a:t>2024/3/10</a:t>
             </a:fld>
@@ -671,7 +671,7 @@
           <p:cNvPr id="5" name="页脚占位符 4">
             <a:extLst>
               <a:ext uri="{FF2B5EF4-FFF2-40B4-BE49-F238E27FC236}">
-                <a16:creationId xmlns:a16="http://schemas.microsoft.com/office/drawing/2014/main" id="{590EAC1F-FD91-18A0-236D-7E7D7ABC9600}"/>
+                <a16:creationId xmlns:a16="http://schemas.microsoft.com/office/drawing/2014/main" id="{FD137CD9-4EFB-EC3C-BBA1-A0842E5772FE}"/>
               </a:ext>
             </a:extLst>
           </p:cNvPr>
@@ -696,7 +696,7 @@
           <p:cNvPr id="6" name="灯片编号占位符 5">
             <a:extLst>
               <a:ext uri="{FF2B5EF4-FFF2-40B4-BE49-F238E27FC236}">
-                <a16:creationId xmlns:a16="http://schemas.microsoft.com/office/drawing/2014/main" id="{508D01A2-47CB-4D3C-DABF-E4C92424F023}"/>
+                <a16:creationId xmlns:a16="http://schemas.microsoft.com/office/drawing/2014/main" id="{E4762085-8A31-9F2D-6253-A59B2676E513}"/>
               </a:ext>
             </a:extLst>
           </p:cNvPr>
@@ -712,7 +712,7 @@
           <a:bodyPr/>
           <a:lstStyle/>
           <a:p>
-            <a:fld id="{EBDA2EF4-6C83-4978-9880-131C54ECD96A}" type="slidenum">
+            <a:fld id="{914E83C4-DD27-44FA-9746-C838072EFDAB}" type="slidenum">
               <a:rPr lang="zh-CN" altLang="en-US" smtClean="0"/>
               <a:t>‹#›</a:t>
             </a:fld>
@@ -723,7 +723,7 @@
     </p:spTree>
     <p:extLst>
       <p:ext uri="{BB962C8B-B14F-4D97-AF65-F5344CB8AC3E}">
-        <p14:creationId xmlns:p14="http://schemas.microsoft.com/office/powerpoint/2010/main" val="2001057759"/>
+        <p14:creationId xmlns:p14="http://schemas.microsoft.com/office/powerpoint/2010/main" val="2010419165"/>
       </p:ext>
     </p:extLst>
   </p:cSld>
@@ -755,7 +755,7 @@
           <p:cNvPr id="2" name="标题 1">
             <a:extLst>
               <a:ext uri="{FF2B5EF4-FFF2-40B4-BE49-F238E27FC236}">
-                <a16:creationId xmlns:a16="http://schemas.microsoft.com/office/drawing/2014/main" id="{FB73848F-DDBE-D792-AA4D-6672F20A3188}"/>
+                <a16:creationId xmlns:a16="http://schemas.microsoft.com/office/drawing/2014/main" id="{E878D528-03C8-B2C2-5493-BE67B6FEC2FC}"/>
               </a:ext>
             </a:extLst>
           </p:cNvPr>
@@ -783,7 +783,7 @@
           <p:cNvPr id="3" name="内容占位符 2">
             <a:extLst>
               <a:ext uri="{FF2B5EF4-FFF2-40B4-BE49-F238E27FC236}">
-                <a16:creationId xmlns:a16="http://schemas.microsoft.com/office/drawing/2014/main" id="{693EAA9A-DB89-4E70-86A6-BE3A8A41FA21}"/>
+                <a16:creationId xmlns:a16="http://schemas.microsoft.com/office/drawing/2014/main" id="{C0EA150C-A8DA-A81B-E0B0-FEAD57B96650}"/>
               </a:ext>
             </a:extLst>
           </p:cNvPr>
@@ -840,7 +840,7 @@
           <p:cNvPr id="4" name="日期占位符 3">
             <a:extLst>
               <a:ext uri="{FF2B5EF4-FFF2-40B4-BE49-F238E27FC236}">
-                <a16:creationId xmlns:a16="http://schemas.microsoft.com/office/drawing/2014/main" id="{EEA01D16-F753-FAF0-1A07-8F012A16AF2A}"/>
+                <a16:creationId xmlns:a16="http://schemas.microsoft.com/office/drawing/2014/main" id="{4928FBCA-C0FD-60A0-D9CA-F0FC7878ADA3}"/>
               </a:ext>
             </a:extLst>
           </p:cNvPr>
@@ -856,7 +856,7 @@
           <a:bodyPr/>
           <a:lstStyle/>
           <a:p>
-            <a:fld id="{C17EE62C-861D-4DDC-BF85-B1D251C48846}" type="datetimeFigureOut">
+            <a:fld id="{20749EC6-BD4C-4A65-8F43-75E0B5FAE8AA}" type="datetimeFigureOut">
               <a:rPr lang="zh-CN" altLang="en-US" smtClean="0"/>
               <a:t>2024/3/10</a:t>
             </a:fld>
@@ -869,7 +869,7 @@
           <p:cNvPr id="5" name="页脚占位符 4">
             <a:extLst>
               <a:ext uri="{FF2B5EF4-FFF2-40B4-BE49-F238E27FC236}">
-                <a16:creationId xmlns:a16="http://schemas.microsoft.com/office/drawing/2014/main" id="{ADB11F29-E4F0-4722-FE0A-D5DCDE28D258}"/>
+                <a16:creationId xmlns:a16="http://schemas.microsoft.com/office/drawing/2014/main" id="{C87276ED-3FF5-9364-3699-B6B711F41F95}"/>
               </a:ext>
             </a:extLst>
           </p:cNvPr>
@@ -894,7 +894,7 @@
           <p:cNvPr id="6" name="灯片编号占位符 5">
             <a:extLst>
               <a:ext uri="{FF2B5EF4-FFF2-40B4-BE49-F238E27FC236}">
-                <a16:creationId xmlns:a16="http://schemas.microsoft.com/office/drawing/2014/main" id="{DF357ADA-E0FD-9F04-5E6F-48B7B4212DD7}"/>
+                <a16:creationId xmlns:a16="http://schemas.microsoft.com/office/drawing/2014/main" id="{DD72F719-60EF-F3BD-E4AF-228390100E39}"/>
               </a:ext>
             </a:extLst>
           </p:cNvPr>
@@ -910,7 +910,7 @@
           <a:bodyPr/>
           <a:lstStyle/>
           <a:p>
-            <a:fld id="{EBDA2EF4-6C83-4978-9880-131C54ECD96A}" type="slidenum">
+            <a:fld id="{914E83C4-DD27-44FA-9746-C838072EFDAB}" type="slidenum">
               <a:rPr lang="zh-CN" altLang="en-US" smtClean="0"/>
               <a:t>‹#›</a:t>
             </a:fld>
@@ -921,7 +921,7 @@
     </p:spTree>
     <p:extLst>
       <p:ext uri="{BB962C8B-B14F-4D97-AF65-F5344CB8AC3E}">
-        <p14:creationId xmlns:p14="http://schemas.microsoft.com/office/powerpoint/2010/main" val="627519306"/>
+        <p14:creationId xmlns:p14="http://schemas.microsoft.com/office/powerpoint/2010/main" val="3103191394"/>
       </p:ext>
     </p:extLst>
   </p:cSld>
@@ -953,7 +953,7 @@
           <p:cNvPr id="2" name="标题 1">
             <a:extLst>
               <a:ext uri="{FF2B5EF4-FFF2-40B4-BE49-F238E27FC236}">
-                <a16:creationId xmlns:a16="http://schemas.microsoft.com/office/drawing/2014/main" id="{029B3903-9A77-B587-8A4B-9E2E87DF86ED}"/>
+                <a16:creationId xmlns:a16="http://schemas.microsoft.com/office/drawing/2014/main" id="{9B8D4418-5801-F447-38C4-76594411918A}"/>
               </a:ext>
             </a:extLst>
           </p:cNvPr>
@@ -990,7 +990,7 @@
           <p:cNvPr id="3" name="文本占位符 2">
             <a:extLst>
               <a:ext uri="{FF2B5EF4-FFF2-40B4-BE49-F238E27FC236}">
-                <a16:creationId xmlns:a16="http://schemas.microsoft.com/office/drawing/2014/main" id="{5DCBEB4A-3A52-B604-0B23-A73FBFF625DE}"/>
+                <a16:creationId xmlns:a16="http://schemas.microsoft.com/office/drawing/2014/main" id="{C1DC2FD3-2B80-5AC4-6263-AFA9511B4065}"/>
               </a:ext>
             </a:extLst>
           </p:cNvPr>
@@ -1115,7 +1115,7 @@
           <p:cNvPr id="4" name="日期占位符 3">
             <a:extLst>
               <a:ext uri="{FF2B5EF4-FFF2-40B4-BE49-F238E27FC236}">
-                <a16:creationId xmlns:a16="http://schemas.microsoft.com/office/drawing/2014/main" id="{350B215D-EF2E-FBB1-1BE0-71527F37E93B}"/>
+                <a16:creationId xmlns:a16="http://schemas.microsoft.com/office/drawing/2014/main" id="{1DBE08E0-1DC4-2EC3-D1EC-0564E2DB2521}"/>
               </a:ext>
             </a:extLst>
           </p:cNvPr>
@@ -1131,7 +1131,7 @@
           <a:bodyPr/>
           <a:lstStyle/>
           <a:p>
-            <a:fld id="{C17EE62C-861D-4DDC-BF85-B1D251C48846}" type="datetimeFigureOut">
+            <a:fld id="{20749EC6-BD4C-4A65-8F43-75E0B5FAE8AA}" type="datetimeFigureOut">
               <a:rPr lang="zh-CN" altLang="en-US" smtClean="0"/>
               <a:t>2024/3/10</a:t>
             </a:fld>
@@ -1144,7 +1144,7 @@
           <p:cNvPr id="5" name="页脚占位符 4">
             <a:extLst>
               <a:ext uri="{FF2B5EF4-FFF2-40B4-BE49-F238E27FC236}">
-                <a16:creationId xmlns:a16="http://schemas.microsoft.com/office/drawing/2014/main" id="{07202685-9066-798D-C3B9-44CC6AEC48D7}"/>
+                <a16:creationId xmlns:a16="http://schemas.microsoft.com/office/drawing/2014/main" id="{56FC7675-4955-99FA-0413-47E25C9098B7}"/>
               </a:ext>
             </a:extLst>
           </p:cNvPr>
@@ -1169,7 +1169,7 @@
           <p:cNvPr id="6" name="灯片编号占位符 5">
             <a:extLst>
               <a:ext uri="{FF2B5EF4-FFF2-40B4-BE49-F238E27FC236}">
-                <a16:creationId xmlns:a16="http://schemas.microsoft.com/office/drawing/2014/main" id="{C5250E0D-5E76-5A07-6165-1C351C3B4C19}"/>
+                <a16:creationId xmlns:a16="http://schemas.microsoft.com/office/drawing/2014/main" id="{ED7120C1-8127-DA0D-8025-E9741B0AC0EC}"/>
               </a:ext>
             </a:extLst>
           </p:cNvPr>
@@ -1185,7 +1185,7 @@
           <a:bodyPr/>
           <a:lstStyle/>
           <a:p>
-            <a:fld id="{EBDA2EF4-6C83-4978-9880-131C54ECD96A}" type="slidenum">
+            <a:fld id="{914E83C4-DD27-44FA-9746-C838072EFDAB}" type="slidenum">
               <a:rPr lang="zh-CN" altLang="en-US" smtClean="0"/>
               <a:t>‹#›</a:t>
             </a:fld>
@@ -1196,7 +1196,7 @@
     </p:spTree>
     <p:extLst>
       <p:ext uri="{BB962C8B-B14F-4D97-AF65-F5344CB8AC3E}">
-        <p14:creationId xmlns:p14="http://schemas.microsoft.com/office/powerpoint/2010/main" val="745883379"/>
+        <p14:creationId xmlns:p14="http://schemas.microsoft.com/office/powerpoint/2010/main" val="2110501383"/>
       </p:ext>
     </p:extLst>
   </p:cSld>
@@ -1228,7 +1228,7 @@
           <p:cNvPr id="2" name="标题 1">
             <a:extLst>
               <a:ext uri="{FF2B5EF4-FFF2-40B4-BE49-F238E27FC236}">
-                <a16:creationId xmlns:a16="http://schemas.microsoft.com/office/drawing/2014/main" id="{77C4EC36-FC05-324B-8FA0-A6B4BA0576B9}"/>
+                <a16:creationId xmlns:a16="http://schemas.microsoft.com/office/drawing/2014/main" id="{EFBE58CE-0C0D-1280-25BF-1DB1A848B176}"/>
               </a:ext>
             </a:extLst>
           </p:cNvPr>
@@ -1256,7 +1256,7 @@
           <p:cNvPr id="3" name="内容占位符 2">
             <a:extLst>
               <a:ext uri="{FF2B5EF4-FFF2-40B4-BE49-F238E27FC236}">
-                <a16:creationId xmlns:a16="http://schemas.microsoft.com/office/drawing/2014/main" id="{09CC2831-AF2B-826A-C9D6-F656B25DD950}"/>
+                <a16:creationId xmlns:a16="http://schemas.microsoft.com/office/drawing/2014/main" id="{F30988DE-F9EE-E800-57CB-F6A53DC11197}"/>
               </a:ext>
             </a:extLst>
           </p:cNvPr>
@@ -1318,7 +1318,7 @@
           <p:cNvPr id="4" name="内容占位符 3">
             <a:extLst>
               <a:ext uri="{FF2B5EF4-FFF2-40B4-BE49-F238E27FC236}">
-                <a16:creationId xmlns:a16="http://schemas.microsoft.com/office/drawing/2014/main" id="{50A4A5CA-BF55-6752-08EC-EA391A155ECD}"/>
+                <a16:creationId xmlns:a16="http://schemas.microsoft.com/office/drawing/2014/main" id="{FE1BFBED-C35F-9701-4877-71A225A214FA}"/>
               </a:ext>
             </a:extLst>
           </p:cNvPr>
@@ -1380,7 +1380,7 @@
           <p:cNvPr id="5" name="日期占位符 4">
             <a:extLst>
               <a:ext uri="{FF2B5EF4-FFF2-40B4-BE49-F238E27FC236}">
-                <a16:creationId xmlns:a16="http://schemas.microsoft.com/office/drawing/2014/main" id="{A713282C-4AF1-A394-3E74-48DB1F651826}"/>
+                <a16:creationId xmlns:a16="http://schemas.microsoft.com/office/drawing/2014/main" id="{644B5358-17ED-8A27-1788-7C0D26C7CFE8}"/>
               </a:ext>
             </a:extLst>
           </p:cNvPr>
@@ -1396,7 +1396,7 @@
           <a:bodyPr/>
           <a:lstStyle/>
           <a:p>
-            <a:fld id="{C17EE62C-861D-4DDC-BF85-B1D251C48846}" type="datetimeFigureOut">
+            <a:fld id="{20749EC6-BD4C-4A65-8F43-75E0B5FAE8AA}" type="datetimeFigureOut">
               <a:rPr lang="zh-CN" altLang="en-US" smtClean="0"/>
               <a:t>2024/3/10</a:t>
             </a:fld>
@@ -1409,7 +1409,7 @@
           <p:cNvPr id="6" name="页脚占位符 5">
             <a:extLst>
               <a:ext uri="{FF2B5EF4-FFF2-40B4-BE49-F238E27FC236}">
-                <a16:creationId xmlns:a16="http://schemas.microsoft.com/office/drawing/2014/main" id="{D83CBDFD-A7FB-EC47-EB3C-BC869D4D42AC}"/>
+                <a16:creationId xmlns:a16="http://schemas.microsoft.com/office/drawing/2014/main" id="{9EAF285A-8C37-836D-6C41-CC8398EE6FE2}"/>
               </a:ext>
             </a:extLst>
           </p:cNvPr>
@@ -1434,7 +1434,7 @@
           <p:cNvPr id="7" name="灯片编号占位符 6">
             <a:extLst>
               <a:ext uri="{FF2B5EF4-FFF2-40B4-BE49-F238E27FC236}">
-                <a16:creationId xmlns:a16="http://schemas.microsoft.com/office/drawing/2014/main" id="{C76F1C11-F943-D16B-C07A-5B7AE3B58F51}"/>
+                <a16:creationId xmlns:a16="http://schemas.microsoft.com/office/drawing/2014/main" id="{EAC3815A-17A6-398A-CD6A-E7589F9B482F}"/>
               </a:ext>
             </a:extLst>
           </p:cNvPr>
@@ -1450,7 +1450,7 @@
           <a:bodyPr/>
           <a:lstStyle/>
           <a:p>
-            <a:fld id="{EBDA2EF4-6C83-4978-9880-131C54ECD96A}" type="slidenum">
+            <a:fld id="{914E83C4-DD27-44FA-9746-C838072EFDAB}" type="slidenum">
               <a:rPr lang="zh-CN" altLang="en-US" smtClean="0"/>
               <a:t>‹#›</a:t>
             </a:fld>
@@ -1461,7 +1461,7 @@
     </p:spTree>
     <p:extLst>
       <p:ext uri="{BB962C8B-B14F-4D97-AF65-F5344CB8AC3E}">
-        <p14:creationId xmlns:p14="http://schemas.microsoft.com/office/powerpoint/2010/main" val="3478005642"/>
+        <p14:creationId xmlns:p14="http://schemas.microsoft.com/office/powerpoint/2010/main" val="629493539"/>
       </p:ext>
     </p:extLst>
   </p:cSld>
@@ -1493,7 +1493,7 @@
           <p:cNvPr id="2" name="标题 1">
             <a:extLst>
               <a:ext uri="{FF2B5EF4-FFF2-40B4-BE49-F238E27FC236}">
-                <a16:creationId xmlns:a16="http://schemas.microsoft.com/office/drawing/2014/main" id="{A5B83FA0-0BFD-DD32-AD2E-F6722DA1D223}"/>
+                <a16:creationId xmlns:a16="http://schemas.microsoft.com/office/drawing/2014/main" id="{54F54B38-915B-5ADA-A0BB-ADEF041C1DB4}"/>
               </a:ext>
             </a:extLst>
           </p:cNvPr>
@@ -1526,7 +1526,7 @@
           <p:cNvPr id="3" name="文本占位符 2">
             <a:extLst>
               <a:ext uri="{FF2B5EF4-FFF2-40B4-BE49-F238E27FC236}">
-                <a16:creationId xmlns:a16="http://schemas.microsoft.com/office/drawing/2014/main" id="{963FDC74-3B5A-ED99-8130-8776D9DA875C}"/>
+                <a16:creationId xmlns:a16="http://schemas.microsoft.com/office/drawing/2014/main" id="{CD4BAB44-74F3-BD2D-B86A-290D63529553}"/>
               </a:ext>
             </a:extLst>
           </p:cNvPr>
@@ -1597,7 +1597,7 @@
           <p:cNvPr id="4" name="内容占位符 3">
             <a:extLst>
               <a:ext uri="{FF2B5EF4-FFF2-40B4-BE49-F238E27FC236}">
-                <a16:creationId xmlns:a16="http://schemas.microsoft.com/office/drawing/2014/main" id="{CCCE7B82-92C6-65A3-AB17-BBE287D3EB5D}"/>
+                <a16:creationId xmlns:a16="http://schemas.microsoft.com/office/drawing/2014/main" id="{3E62C51D-BF9E-E310-086D-4AA7E4E6A4D7}"/>
               </a:ext>
             </a:extLst>
           </p:cNvPr>
@@ -1659,7 +1659,7 @@
           <p:cNvPr id="5" name="文本占位符 4">
             <a:extLst>
               <a:ext uri="{FF2B5EF4-FFF2-40B4-BE49-F238E27FC236}">
-                <a16:creationId xmlns:a16="http://schemas.microsoft.com/office/drawing/2014/main" id="{B39A1AC3-72F0-2714-BDC3-FD6045D3A467}"/>
+                <a16:creationId xmlns:a16="http://schemas.microsoft.com/office/drawing/2014/main" id="{A1637649-5AA9-373A-96C5-E8F8FA9BDF49}"/>
               </a:ext>
             </a:extLst>
           </p:cNvPr>
@@ -1730,7 +1730,7 @@
           <p:cNvPr id="6" name="内容占位符 5">
             <a:extLst>
               <a:ext uri="{FF2B5EF4-FFF2-40B4-BE49-F238E27FC236}">
-                <a16:creationId xmlns:a16="http://schemas.microsoft.com/office/drawing/2014/main" id="{895222CB-383A-F1A8-29FC-47ED0DEA4ABB}"/>
+                <a16:creationId xmlns:a16="http://schemas.microsoft.com/office/drawing/2014/main" id="{88AE772E-7F70-2299-04F9-CC5C5117980B}"/>
               </a:ext>
             </a:extLst>
           </p:cNvPr>
@@ -1792,7 +1792,7 @@
           <p:cNvPr id="7" name="日期占位符 6">
             <a:extLst>
               <a:ext uri="{FF2B5EF4-FFF2-40B4-BE49-F238E27FC236}">
-                <a16:creationId xmlns:a16="http://schemas.microsoft.com/office/drawing/2014/main" id="{D90587C9-E768-72DF-D6C8-552310325148}"/>
+                <a16:creationId xmlns:a16="http://schemas.microsoft.com/office/drawing/2014/main" id="{F8E1F909-6EF5-5167-168B-88002DA3338C}"/>
               </a:ext>
             </a:extLst>
           </p:cNvPr>
@@ -1808,7 +1808,7 @@
           <a:bodyPr/>
           <a:lstStyle/>
           <a:p>
-            <a:fld id="{C17EE62C-861D-4DDC-BF85-B1D251C48846}" type="datetimeFigureOut">
+            <a:fld id="{20749EC6-BD4C-4A65-8F43-75E0B5FAE8AA}" type="datetimeFigureOut">
               <a:rPr lang="zh-CN" altLang="en-US" smtClean="0"/>
               <a:t>2024/3/10</a:t>
             </a:fld>
@@ -1821,7 +1821,7 @@
           <p:cNvPr id="8" name="页脚占位符 7">
             <a:extLst>
               <a:ext uri="{FF2B5EF4-FFF2-40B4-BE49-F238E27FC236}">
-                <a16:creationId xmlns:a16="http://schemas.microsoft.com/office/drawing/2014/main" id="{E69B00FC-8E1B-62E3-3DD9-F82CC55D5091}"/>
+                <a16:creationId xmlns:a16="http://schemas.microsoft.com/office/drawing/2014/main" id="{CA28DE99-1C89-7F73-E903-D340A2487F3A}"/>
               </a:ext>
             </a:extLst>
           </p:cNvPr>
@@ -1846,7 +1846,7 @@
           <p:cNvPr id="9" name="灯片编号占位符 8">
             <a:extLst>
               <a:ext uri="{FF2B5EF4-FFF2-40B4-BE49-F238E27FC236}">
-                <a16:creationId xmlns:a16="http://schemas.microsoft.com/office/drawing/2014/main" id="{905FDBB9-CED8-D541-7935-F8A88C083615}"/>
+                <a16:creationId xmlns:a16="http://schemas.microsoft.com/office/drawing/2014/main" id="{E71F9D46-06F6-2C7C-CD4C-F69CB866C562}"/>
               </a:ext>
             </a:extLst>
           </p:cNvPr>
@@ -1862,7 +1862,7 @@
           <a:bodyPr/>
           <a:lstStyle/>
           <a:p>
-            <a:fld id="{EBDA2EF4-6C83-4978-9880-131C54ECD96A}" type="slidenum">
+            <a:fld id="{914E83C4-DD27-44FA-9746-C838072EFDAB}" type="slidenum">
               <a:rPr lang="zh-CN" altLang="en-US" smtClean="0"/>
               <a:t>‹#›</a:t>
             </a:fld>
@@ -1873,7 +1873,7 @@
     </p:spTree>
     <p:extLst>
       <p:ext uri="{BB962C8B-B14F-4D97-AF65-F5344CB8AC3E}">
-        <p14:creationId xmlns:p14="http://schemas.microsoft.com/office/powerpoint/2010/main" val="2825041717"/>
+        <p14:creationId xmlns:p14="http://schemas.microsoft.com/office/powerpoint/2010/main" val="224463172"/>
       </p:ext>
     </p:extLst>
   </p:cSld>
@@ -1905,7 +1905,7 @@
           <p:cNvPr id="2" name="标题 1">
             <a:extLst>
               <a:ext uri="{FF2B5EF4-FFF2-40B4-BE49-F238E27FC236}">
-                <a16:creationId xmlns:a16="http://schemas.microsoft.com/office/drawing/2014/main" id="{23926192-D0C9-5199-3FF3-98EB6096ABCB}"/>
+                <a16:creationId xmlns:a16="http://schemas.microsoft.com/office/drawing/2014/main" id="{F85BF4BB-23ED-E8BF-68B9-1026FE12FEEE}"/>
               </a:ext>
             </a:extLst>
           </p:cNvPr>
@@ -1933,7 +1933,7 @@
           <p:cNvPr id="3" name="日期占位符 2">
             <a:extLst>
               <a:ext uri="{FF2B5EF4-FFF2-40B4-BE49-F238E27FC236}">
-                <a16:creationId xmlns:a16="http://schemas.microsoft.com/office/drawing/2014/main" id="{376CB928-0798-E1E9-B1CC-5EEB2744258E}"/>
+                <a16:creationId xmlns:a16="http://schemas.microsoft.com/office/drawing/2014/main" id="{3817F6EE-6FA2-5A24-C10E-330ADCC4C88E}"/>
               </a:ext>
             </a:extLst>
           </p:cNvPr>
@@ -1949,7 +1949,7 @@
           <a:bodyPr/>
           <a:lstStyle/>
           <a:p>
-            <a:fld id="{C17EE62C-861D-4DDC-BF85-B1D251C48846}" type="datetimeFigureOut">
+            <a:fld id="{20749EC6-BD4C-4A65-8F43-75E0B5FAE8AA}" type="datetimeFigureOut">
               <a:rPr lang="zh-CN" altLang="en-US" smtClean="0"/>
               <a:t>2024/3/10</a:t>
             </a:fld>
@@ -1962,7 +1962,7 @@
           <p:cNvPr id="4" name="页脚占位符 3">
             <a:extLst>
               <a:ext uri="{FF2B5EF4-FFF2-40B4-BE49-F238E27FC236}">
-                <a16:creationId xmlns:a16="http://schemas.microsoft.com/office/drawing/2014/main" id="{C5113827-8AF3-8461-F0E0-6CE706342C69}"/>
+                <a16:creationId xmlns:a16="http://schemas.microsoft.com/office/drawing/2014/main" id="{1A7CF306-FBFE-116B-7C82-D60F7CA3EBA3}"/>
               </a:ext>
             </a:extLst>
           </p:cNvPr>
@@ -1987,7 +1987,7 @@
           <p:cNvPr id="5" name="灯片编号占位符 4">
             <a:extLst>
               <a:ext uri="{FF2B5EF4-FFF2-40B4-BE49-F238E27FC236}">
-                <a16:creationId xmlns:a16="http://schemas.microsoft.com/office/drawing/2014/main" id="{53D50F13-C230-C130-A480-51A7C538FC64}"/>
+                <a16:creationId xmlns:a16="http://schemas.microsoft.com/office/drawing/2014/main" id="{3EF09F77-3A6D-83BB-B214-CC76CA541A11}"/>
               </a:ext>
             </a:extLst>
           </p:cNvPr>
@@ -2003,7 +2003,7 @@
           <a:bodyPr/>
           <a:lstStyle/>
           <a:p>
-            <a:fld id="{EBDA2EF4-6C83-4978-9880-131C54ECD96A}" type="slidenum">
+            <a:fld id="{914E83C4-DD27-44FA-9746-C838072EFDAB}" type="slidenum">
               <a:rPr lang="zh-CN" altLang="en-US" smtClean="0"/>
               <a:t>‹#›</a:t>
             </a:fld>
@@ -2014,7 +2014,7 @@
     </p:spTree>
     <p:extLst>
       <p:ext uri="{BB962C8B-B14F-4D97-AF65-F5344CB8AC3E}">
-        <p14:creationId xmlns:p14="http://schemas.microsoft.com/office/powerpoint/2010/main" val="4241689432"/>
+        <p14:creationId xmlns:p14="http://schemas.microsoft.com/office/powerpoint/2010/main" val="3586572809"/>
       </p:ext>
     </p:extLst>
   </p:cSld>
@@ -2046,7 +2046,7 @@
           <p:cNvPr id="2" name="日期占位符 1">
             <a:extLst>
               <a:ext uri="{FF2B5EF4-FFF2-40B4-BE49-F238E27FC236}">
-                <a16:creationId xmlns:a16="http://schemas.microsoft.com/office/drawing/2014/main" id="{E53D5E53-ECAA-E64D-F4D6-B5B291BF36E3}"/>
+                <a16:creationId xmlns:a16="http://schemas.microsoft.com/office/drawing/2014/main" id="{2BC63C78-7A42-5856-9862-3BAC889B6962}"/>
               </a:ext>
             </a:extLst>
           </p:cNvPr>
@@ -2062,7 +2062,7 @@
           <a:bodyPr/>
           <a:lstStyle/>
           <a:p>
-            <a:fld id="{C17EE62C-861D-4DDC-BF85-B1D251C48846}" type="datetimeFigureOut">
+            <a:fld id="{20749EC6-BD4C-4A65-8F43-75E0B5FAE8AA}" type="datetimeFigureOut">
               <a:rPr lang="zh-CN" altLang="en-US" smtClean="0"/>
               <a:t>2024/3/10</a:t>
             </a:fld>
@@ -2075,7 +2075,7 @@
           <p:cNvPr id="3" name="页脚占位符 2">
             <a:extLst>
               <a:ext uri="{FF2B5EF4-FFF2-40B4-BE49-F238E27FC236}">
-                <a16:creationId xmlns:a16="http://schemas.microsoft.com/office/drawing/2014/main" id="{B6EC5416-B369-F909-D350-EB986B64C1B8}"/>
+                <a16:creationId xmlns:a16="http://schemas.microsoft.com/office/drawing/2014/main" id="{F3F1FA72-2906-1242-A704-B0B07DB99167}"/>
               </a:ext>
             </a:extLst>
           </p:cNvPr>
@@ -2100,7 +2100,7 @@
           <p:cNvPr id="4" name="灯片编号占位符 3">
             <a:extLst>
               <a:ext uri="{FF2B5EF4-FFF2-40B4-BE49-F238E27FC236}">
-                <a16:creationId xmlns:a16="http://schemas.microsoft.com/office/drawing/2014/main" id="{1DCCA418-AED4-7309-65B1-A73E2CF5DAE0}"/>
+                <a16:creationId xmlns:a16="http://schemas.microsoft.com/office/drawing/2014/main" id="{D6313537-C781-4848-B4FF-A388CF0A6352}"/>
               </a:ext>
             </a:extLst>
           </p:cNvPr>
@@ -2116,7 +2116,7 @@
           <a:bodyPr/>
           <a:lstStyle/>
           <a:p>
-            <a:fld id="{EBDA2EF4-6C83-4978-9880-131C54ECD96A}" type="slidenum">
+            <a:fld id="{914E83C4-DD27-44FA-9746-C838072EFDAB}" type="slidenum">
               <a:rPr lang="zh-CN" altLang="en-US" smtClean="0"/>
               <a:t>‹#›</a:t>
             </a:fld>
@@ -2127,7 +2127,7 @@
     </p:spTree>
     <p:extLst>
       <p:ext uri="{BB962C8B-B14F-4D97-AF65-F5344CB8AC3E}">
-        <p14:creationId xmlns:p14="http://schemas.microsoft.com/office/powerpoint/2010/main" val="4270358014"/>
+        <p14:creationId xmlns:p14="http://schemas.microsoft.com/office/powerpoint/2010/main" val="4027359825"/>
       </p:ext>
     </p:extLst>
   </p:cSld>
@@ -2159,7 +2159,7 @@
           <p:cNvPr id="2" name="标题 1">
             <a:extLst>
               <a:ext uri="{FF2B5EF4-FFF2-40B4-BE49-F238E27FC236}">
-                <a16:creationId xmlns:a16="http://schemas.microsoft.com/office/drawing/2014/main" id="{14E9FCCC-ED32-59B5-15ED-CCAD290DC713}"/>
+                <a16:creationId xmlns:a16="http://schemas.microsoft.com/office/drawing/2014/main" id="{5D714B1C-BF8A-00C6-34B0-B0C81B6ED14F}"/>
               </a:ext>
             </a:extLst>
           </p:cNvPr>
@@ -2196,7 +2196,7 @@
           <p:cNvPr id="3" name="内容占位符 2">
             <a:extLst>
               <a:ext uri="{FF2B5EF4-FFF2-40B4-BE49-F238E27FC236}">
-                <a16:creationId xmlns:a16="http://schemas.microsoft.com/office/drawing/2014/main" id="{F295D3D1-155D-2A70-8F05-6E8665819798}"/>
+                <a16:creationId xmlns:a16="http://schemas.microsoft.com/office/drawing/2014/main" id="{2BF94D8F-C430-0B05-B3D2-7921E7B5E3BB}"/>
               </a:ext>
             </a:extLst>
           </p:cNvPr>
@@ -2286,7 +2286,7 @@
           <p:cNvPr id="4" name="文本占位符 3">
             <a:extLst>
               <a:ext uri="{FF2B5EF4-FFF2-40B4-BE49-F238E27FC236}">
-                <a16:creationId xmlns:a16="http://schemas.microsoft.com/office/drawing/2014/main" id="{26C10E6D-63B0-B837-968E-93DD0A42E27C}"/>
+                <a16:creationId xmlns:a16="http://schemas.microsoft.com/office/drawing/2014/main" id="{019058E7-908E-F751-DE2A-58B1C9357B7C}"/>
               </a:ext>
             </a:extLst>
           </p:cNvPr>
@@ -2357,7 +2357,7 @@
           <p:cNvPr id="5" name="日期占位符 4">
             <a:extLst>
               <a:ext uri="{FF2B5EF4-FFF2-40B4-BE49-F238E27FC236}">
-                <a16:creationId xmlns:a16="http://schemas.microsoft.com/office/drawing/2014/main" id="{DB30B5EF-7A34-CA07-D96D-B10E21901EA2}"/>
+                <a16:creationId xmlns:a16="http://schemas.microsoft.com/office/drawing/2014/main" id="{9DCACD2F-E7D5-5F0F-C0E2-1BE8CFC05965}"/>
               </a:ext>
             </a:extLst>
           </p:cNvPr>
@@ -2373,7 +2373,7 @@
           <a:bodyPr/>
           <a:lstStyle/>
           <a:p>
-            <a:fld id="{C17EE62C-861D-4DDC-BF85-B1D251C48846}" type="datetimeFigureOut">
+            <a:fld id="{20749EC6-BD4C-4A65-8F43-75E0B5FAE8AA}" type="datetimeFigureOut">
               <a:rPr lang="zh-CN" altLang="en-US" smtClean="0"/>
               <a:t>2024/3/10</a:t>
             </a:fld>
@@ -2386,7 +2386,7 @@
           <p:cNvPr id="6" name="页脚占位符 5">
             <a:extLst>
               <a:ext uri="{FF2B5EF4-FFF2-40B4-BE49-F238E27FC236}">
-                <a16:creationId xmlns:a16="http://schemas.microsoft.com/office/drawing/2014/main" id="{9E9022A9-B8BF-ADC0-866D-F4B83267D069}"/>
+                <a16:creationId xmlns:a16="http://schemas.microsoft.com/office/drawing/2014/main" id="{EEE5C95C-4AEA-00BE-AAC3-B937A603B62F}"/>
               </a:ext>
             </a:extLst>
           </p:cNvPr>
@@ -2411,7 +2411,7 @@
           <p:cNvPr id="7" name="灯片编号占位符 6">
             <a:extLst>
               <a:ext uri="{FF2B5EF4-FFF2-40B4-BE49-F238E27FC236}">
-                <a16:creationId xmlns:a16="http://schemas.microsoft.com/office/drawing/2014/main" id="{B9D6D8DC-694C-B196-AE96-541C68F7D761}"/>
+                <a16:creationId xmlns:a16="http://schemas.microsoft.com/office/drawing/2014/main" id="{727E5200-81B1-999F-1A38-B5EE93F2DF33}"/>
               </a:ext>
             </a:extLst>
           </p:cNvPr>
@@ -2427,7 +2427,7 @@
           <a:bodyPr/>
           <a:lstStyle/>
           <a:p>
-            <a:fld id="{EBDA2EF4-6C83-4978-9880-131C54ECD96A}" type="slidenum">
+            <a:fld id="{914E83C4-DD27-44FA-9746-C838072EFDAB}" type="slidenum">
               <a:rPr lang="zh-CN" altLang="en-US" smtClean="0"/>
               <a:t>‹#›</a:t>
             </a:fld>
@@ -2438,7 +2438,7 @@
     </p:spTree>
     <p:extLst>
       <p:ext uri="{BB962C8B-B14F-4D97-AF65-F5344CB8AC3E}">
-        <p14:creationId xmlns:p14="http://schemas.microsoft.com/office/powerpoint/2010/main" val="2322667726"/>
+        <p14:creationId xmlns:p14="http://schemas.microsoft.com/office/powerpoint/2010/main" val="3843697777"/>
       </p:ext>
     </p:extLst>
   </p:cSld>
@@ -2470,7 +2470,7 @@
           <p:cNvPr id="2" name="标题 1">
             <a:extLst>
               <a:ext uri="{FF2B5EF4-FFF2-40B4-BE49-F238E27FC236}">
-                <a16:creationId xmlns:a16="http://schemas.microsoft.com/office/drawing/2014/main" id="{7751A9C8-80FE-994F-314F-D13B852A1F87}"/>
+                <a16:creationId xmlns:a16="http://schemas.microsoft.com/office/drawing/2014/main" id="{C032B8CC-F6EB-6DF3-4DC6-92A72A7C84D9}"/>
               </a:ext>
             </a:extLst>
           </p:cNvPr>
@@ -2507,7 +2507,7 @@
           <p:cNvPr id="3" name="图片占位符 2">
             <a:extLst>
               <a:ext uri="{FF2B5EF4-FFF2-40B4-BE49-F238E27FC236}">
-                <a16:creationId xmlns:a16="http://schemas.microsoft.com/office/drawing/2014/main" id="{C66EAFE9-60F3-0E1A-5285-5066A7094505}"/>
+                <a16:creationId xmlns:a16="http://schemas.microsoft.com/office/drawing/2014/main" id="{D4D92F26-A9A0-1A0B-0F0C-72332C0FB3CB}"/>
               </a:ext>
             </a:extLst>
           </p:cNvPr>
@@ -2574,7 +2574,7 @@
           <p:cNvPr id="4" name="文本占位符 3">
             <a:extLst>
               <a:ext uri="{FF2B5EF4-FFF2-40B4-BE49-F238E27FC236}">
-                <a16:creationId xmlns:a16="http://schemas.microsoft.com/office/drawing/2014/main" id="{82ADC743-7FBF-FB04-F28A-A9B50CBEFBFD}"/>
+                <a16:creationId xmlns:a16="http://schemas.microsoft.com/office/drawing/2014/main" id="{78C00370-A359-C6D2-1FA8-EDE881C26F16}"/>
               </a:ext>
             </a:extLst>
           </p:cNvPr>
@@ -2645,7 +2645,7 @@
           <p:cNvPr id="5" name="日期占位符 4">
             <a:extLst>
               <a:ext uri="{FF2B5EF4-FFF2-40B4-BE49-F238E27FC236}">
-                <a16:creationId xmlns:a16="http://schemas.microsoft.com/office/drawing/2014/main" id="{9B479336-0715-9A7A-C9EE-6B87D83EDAC5}"/>
+                <a16:creationId xmlns:a16="http://schemas.microsoft.com/office/drawing/2014/main" id="{1181FA64-475D-487B-2001-A2BF204847DA}"/>
               </a:ext>
             </a:extLst>
           </p:cNvPr>
@@ -2661,7 +2661,7 @@
           <a:bodyPr/>
           <a:lstStyle/>
           <a:p>
-            <a:fld id="{C17EE62C-861D-4DDC-BF85-B1D251C48846}" type="datetimeFigureOut">
+            <a:fld id="{20749EC6-BD4C-4A65-8F43-75E0B5FAE8AA}" type="datetimeFigureOut">
               <a:rPr lang="zh-CN" altLang="en-US" smtClean="0"/>
               <a:t>2024/3/10</a:t>
             </a:fld>
@@ -2674,7 +2674,7 @@
           <p:cNvPr id="6" name="页脚占位符 5">
             <a:extLst>
               <a:ext uri="{FF2B5EF4-FFF2-40B4-BE49-F238E27FC236}">
-                <a16:creationId xmlns:a16="http://schemas.microsoft.com/office/drawing/2014/main" id="{E91018F9-4E4B-9AB7-E33A-3A3C4658AB56}"/>
+                <a16:creationId xmlns:a16="http://schemas.microsoft.com/office/drawing/2014/main" id="{EFA19C87-1F37-0612-1554-139295FDF34A}"/>
               </a:ext>
             </a:extLst>
           </p:cNvPr>
@@ -2699,7 +2699,7 @@
           <p:cNvPr id="7" name="灯片编号占位符 6">
             <a:extLst>
               <a:ext uri="{FF2B5EF4-FFF2-40B4-BE49-F238E27FC236}">
-                <a16:creationId xmlns:a16="http://schemas.microsoft.com/office/drawing/2014/main" id="{8870D702-71AD-6601-A202-91D58AFB2767}"/>
+                <a16:creationId xmlns:a16="http://schemas.microsoft.com/office/drawing/2014/main" id="{8B7D491A-8868-B217-1F89-395A7677FF0D}"/>
               </a:ext>
             </a:extLst>
           </p:cNvPr>
@@ -2715,7 +2715,7 @@
           <a:bodyPr/>
           <a:lstStyle/>
           <a:p>
-            <a:fld id="{EBDA2EF4-6C83-4978-9880-131C54ECD96A}" type="slidenum">
+            <a:fld id="{914E83C4-DD27-44FA-9746-C838072EFDAB}" type="slidenum">
               <a:rPr lang="zh-CN" altLang="en-US" smtClean="0"/>
               <a:t>‹#›</a:t>
             </a:fld>
@@ -2726,7 +2726,7 @@
     </p:spTree>
     <p:extLst>
       <p:ext uri="{BB962C8B-B14F-4D97-AF65-F5344CB8AC3E}">
-        <p14:creationId xmlns:p14="http://schemas.microsoft.com/office/powerpoint/2010/main" val="2985594157"/>
+        <p14:creationId xmlns:p14="http://schemas.microsoft.com/office/powerpoint/2010/main" val="3647104887"/>
       </p:ext>
     </p:extLst>
   </p:cSld>
@@ -2763,7 +2763,7 @@
           <p:cNvPr id="2" name="标题占位符 1">
             <a:extLst>
               <a:ext uri="{FF2B5EF4-FFF2-40B4-BE49-F238E27FC236}">
-                <a16:creationId xmlns:a16="http://schemas.microsoft.com/office/drawing/2014/main" id="{52717566-C409-1B73-8CFD-E2CDECE1C995}"/>
+                <a16:creationId xmlns:a16="http://schemas.microsoft.com/office/drawing/2014/main" id="{802EB324-DD90-1B1F-33D5-CA48DB0B015D}"/>
               </a:ext>
             </a:extLst>
           </p:cNvPr>
@@ -2801,7 +2801,7 @@
           <p:cNvPr id="3" name="文本占位符 2">
             <a:extLst>
               <a:ext uri="{FF2B5EF4-FFF2-40B4-BE49-F238E27FC236}">
-                <a16:creationId xmlns:a16="http://schemas.microsoft.com/office/drawing/2014/main" id="{4BF5A832-92A3-2EB6-7818-780A84C21947}"/>
+                <a16:creationId xmlns:a16="http://schemas.microsoft.com/office/drawing/2014/main" id="{7167FBED-1DE7-FCF0-4DEB-29DFA96282FB}"/>
               </a:ext>
             </a:extLst>
           </p:cNvPr>
@@ -2868,7 +2868,7 @@
           <p:cNvPr id="4" name="日期占位符 3">
             <a:extLst>
               <a:ext uri="{FF2B5EF4-FFF2-40B4-BE49-F238E27FC236}">
-                <a16:creationId xmlns:a16="http://schemas.microsoft.com/office/drawing/2014/main" id="{2C402AFE-FB27-9554-C471-6538567D7900}"/>
+                <a16:creationId xmlns:a16="http://schemas.microsoft.com/office/drawing/2014/main" id="{16C98855-1381-7C33-C362-3B2D313F8A63}"/>
               </a:ext>
             </a:extLst>
           </p:cNvPr>
@@ -2902,7 +2902,7 @@
             </a:lvl1pPr>
           </a:lstStyle>
           <a:p>
-            <a:fld id="{C17EE62C-861D-4DDC-BF85-B1D251C48846}" type="datetimeFigureOut">
+            <a:fld id="{20749EC6-BD4C-4A65-8F43-75E0B5FAE8AA}" type="datetimeFigureOut">
               <a:rPr lang="zh-CN" altLang="en-US" smtClean="0"/>
               <a:t>2024/3/10</a:t>
             </a:fld>
@@ -2915,7 +2915,7 @@
           <p:cNvPr id="5" name="页脚占位符 4">
             <a:extLst>
               <a:ext uri="{FF2B5EF4-FFF2-40B4-BE49-F238E27FC236}">
-                <a16:creationId xmlns:a16="http://schemas.microsoft.com/office/drawing/2014/main" id="{5F409357-35CE-1125-88A8-CCAA437708D2}"/>
+                <a16:creationId xmlns:a16="http://schemas.microsoft.com/office/drawing/2014/main" id="{1B2B53B5-A99C-590A-2AC0-AD985D15F873}"/>
               </a:ext>
             </a:extLst>
           </p:cNvPr>
@@ -2958,7 +2958,7 @@
           <p:cNvPr id="6" name="灯片编号占位符 5">
             <a:extLst>
               <a:ext uri="{FF2B5EF4-FFF2-40B4-BE49-F238E27FC236}">
-                <a16:creationId xmlns:a16="http://schemas.microsoft.com/office/drawing/2014/main" id="{22447EF9-16EA-9A3F-B67B-66C99DB0C963}"/>
+                <a16:creationId xmlns:a16="http://schemas.microsoft.com/office/drawing/2014/main" id="{5F3D859A-C42A-8DE2-890E-E29BC3CBC4C0}"/>
               </a:ext>
             </a:extLst>
           </p:cNvPr>
@@ -2992,7 +2992,7 @@
             </a:lvl1pPr>
           </a:lstStyle>
           <a:p>
-            <a:fld id="{EBDA2EF4-6C83-4978-9880-131C54ECD96A}" type="slidenum">
+            <a:fld id="{914E83C4-DD27-44FA-9746-C838072EFDAB}" type="slidenum">
               <a:rPr lang="zh-CN" altLang="en-US" smtClean="0"/>
               <a:t>‹#›</a:t>
             </a:fld>
@@ -3003,7 +3003,7 @@
     </p:spTree>
     <p:extLst>
       <p:ext uri="{BB962C8B-B14F-4D97-AF65-F5344CB8AC3E}">
-        <p14:creationId xmlns:p14="http://schemas.microsoft.com/office/powerpoint/2010/main" val="811509387"/>
+        <p14:creationId xmlns:p14="http://schemas.microsoft.com/office/powerpoint/2010/main" val="851807452"/>
       </p:ext>
     </p:extLst>
   </p:cSld>
